--- a/презентация11.pptx
+++ b/презентация11.pptx
@@ -12,9 +12,9 @@
     <p:sldId id="259" r:id="rId6"/>
     <p:sldId id="260" r:id="rId7"/>
     <p:sldId id="261" r:id="rId8"/>
-    <p:sldId id="262" r:id="rId9"/>
-    <p:sldId id="263" r:id="rId10"/>
-    <p:sldId id="268" r:id="rId11"/>
+    <p:sldId id="270" r:id="rId9"/>
+    <p:sldId id="271" r:id="rId10"/>
+    <p:sldId id="263" r:id="rId11"/>
     <p:sldId id="264" r:id="rId12"/>
     <p:sldId id="269" r:id="rId13"/>
   </p:sldIdLst>
@@ -272,7 +272,7 @@
             <a:fld id="{494C4B44-0423-406B-A899-63F9C2C33AA7}" type="datetimeFigureOut">
               <a:rPr lang="ru-RU" smtClean="0"/>
               <a:pPr/>
-              <a:t>09.02.2025</a:t>
+              <a:t>12.02.2025</a:t>
             </a:fld>
             <a:endParaRPr lang="ru-RU"/>
           </a:p>
@@ -1143,7 +1143,7 @@
             <a:fld id="{494C4B44-0423-406B-A899-63F9C2C33AA7}" type="datetimeFigureOut">
               <a:rPr lang="ru-RU" smtClean="0"/>
               <a:pPr/>
-              <a:t>09.02.2025</a:t>
+              <a:t>12.02.2025</a:t>
             </a:fld>
             <a:endParaRPr lang="ru-RU"/>
           </a:p>
@@ -1320,7 +1320,7 @@
             <a:fld id="{494C4B44-0423-406B-A899-63F9C2C33AA7}" type="datetimeFigureOut">
               <a:rPr lang="ru-RU" smtClean="0"/>
               <a:pPr/>
-              <a:t>09.02.2025</a:t>
+              <a:t>12.02.2025</a:t>
             </a:fld>
             <a:endParaRPr lang="ru-RU"/>
           </a:p>
@@ -1492,7 +1492,7 @@
             <a:fld id="{494C4B44-0423-406B-A899-63F9C2C33AA7}" type="datetimeFigureOut">
               <a:rPr lang="ru-RU" smtClean="0"/>
               <a:pPr/>
-              <a:t>09.02.2025</a:t>
+              <a:t>12.02.2025</a:t>
             </a:fld>
             <a:endParaRPr lang="ru-RU"/>
           </a:p>
@@ -1704,7 +1704,7 @@
             <a:fld id="{494C4B44-0423-406B-A899-63F9C2C33AA7}" type="datetimeFigureOut">
               <a:rPr lang="ru-RU" smtClean="0"/>
               <a:pPr/>
-              <a:t>09.02.2025</a:t>
+              <a:t>12.02.2025</a:t>
             </a:fld>
             <a:endParaRPr lang="ru-RU"/>
           </a:p>
@@ -2520,7 +2520,7 @@
             <a:fld id="{494C4B44-0423-406B-A899-63F9C2C33AA7}" type="datetimeFigureOut">
               <a:rPr lang="ru-RU" smtClean="0"/>
               <a:pPr/>
-              <a:t>09.02.2025</a:t>
+              <a:t>12.02.2025</a:t>
             </a:fld>
             <a:endParaRPr lang="ru-RU"/>
           </a:p>
@@ -2758,7 +2758,7 @@
             <a:fld id="{494C4B44-0423-406B-A899-63F9C2C33AA7}" type="datetimeFigureOut">
               <a:rPr lang="ru-RU" smtClean="0"/>
               <a:pPr/>
-              <a:t>09.02.2025</a:t>
+              <a:t>12.02.2025</a:t>
             </a:fld>
             <a:endParaRPr lang="ru-RU"/>
           </a:p>
@@ -3083,7 +3083,7 @@
             <a:fld id="{494C4B44-0423-406B-A899-63F9C2C33AA7}" type="datetimeFigureOut">
               <a:rPr lang="ru-RU" smtClean="0"/>
               <a:pPr/>
-              <a:t>09.02.2025</a:t>
+              <a:t>12.02.2025</a:t>
             </a:fld>
             <a:endParaRPr lang="ru-RU"/>
           </a:p>
@@ -3175,7 +3175,7 @@
             <a:fld id="{494C4B44-0423-406B-A899-63F9C2C33AA7}" type="datetimeFigureOut">
               <a:rPr lang="ru-RU" smtClean="0"/>
               <a:pPr/>
-              <a:t>09.02.2025</a:t>
+              <a:t>12.02.2025</a:t>
             </a:fld>
             <a:endParaRPr lang="ru-RU"/>
           </a:p>
@@ -3694,7 +3694,7 @@
             <a:fld id="{494C4B44-0423-406B-A899-63F9C2C33AA7}" type="datetimeFigureOut">
               <a:rPr lang="ru-RU" smtClean="0"/>
               <a:pPr/>
-              <a:t>09.02.2025</a:t>
+              <a:t>12.02.2025</a:t>
             </a:fld>
             <a:endParaRPr lang="ru-RU"/>
           </a:p>
@@ -4207,7 +4207,7 @@
             <a:fld id="{494C4B44-0423-406B-A899-63F9C2C33AA7}" type="datetimeFigureOut">
               <a:rPr lang="ru-RU" smtClean="0"/>
               <a:pPr/>
-              <a:t>09.02.2025</a:t>
+              <a:t>12.02.2025</a:t>
             </a:fld>
             <a:endParaRPr lang="ru-RU"/>
           </a:p>
@@ -4454,7 +4454,7 @@
             <a:fld id="{494C4B44-0423-406B-A899-63F9C2C33AA7}" type="datetimeFigureOut">
               <a:rPr lang="ru-RU" smtClean="0"/>
               <a:pPr/>
-              <a:t>09.02.2025</a:t>
+              <a:t>12.02.2025</a:t>
             </a:fld>
             <a:endParaRPr lang="ru-RU"/>
           </a:p>
@@ -5363,7 +5363,7 @@
           <p:cNvPr id="2" name="Заголовок 1">
             <a:extLst>
               <a:ext uri="{FF2B5EF4-FFF2-40B4-BE49-F238E27FC236}">
-                <a16:creationId xmlns:a16="http://schemas.microsoft.com/office/drawing/2014/main" id="{3879F641-6C17-1B2E-9935-F07816E0F820}"/>
+                <a16:creationId xmlns:a16="http://schemas.microsoft.com/office/drawing/2014/main" id="{2FAFD33D-4EDE-2338-EBEF-40BC6513C83B}"/>
               </a:ext>
             </a:extLst>
           </p:cNvPr>
@@ -5375,9 +5375,9 @@
           </p:nvPr>
         </p:nvSpPr>
         <p:spPr>
-          <a:xfrm flipV="1">
-            <a:off x="609600" y="-444843"/>
-            <a:ext cx="9956800" cy="65902"/>
+          <a:xfrm>
+            <a:off x="838200" y="-609599"/>
+            <a:ext cx="10515600" cy="329514"/>
           </a:xfrm>
         </p:spPr>
         <p:txBody>
@@ -5392,10 +5392,10 @@
       </p:sp>
       <p:pic>
         <p:nvPicPr>
-          <p:cNvPr id="5" name="Объект 4">
+          <p:cNvPr id="7" name="Объект 6">
             <a:extLst>
               <a:ext uri="{FF2B5EF4-FFF2-40B4-BE49-F238E27FC236}">
-                <a16:creationId xmlns:a16="http://schemas.microsoft.com/office/drawing/2014/main" id="{94288CBF-8724-5140-A054-28FE0F1A5ADF}"/>
+                <a16:creationId xmlns:a16="http://schemas.microsoft.com/office/drawing/2014/main" id="{BD779A37-FF72-041F-D713-937796520BA7}"/>
               </a:ext>
             </a:extLst>
           </p:cNvPr>
@@ -5414,15 +5414,15 @@
         </p:blipFill>
         <p:spPr>
           <a:xfrm>
-            <a:off x="609600" y="0"/>
-            <a:ext cx="10544432" cy="6858000"/>
+            <a:off x="838201" y="0"/>
+            <a:ext cx="10515600" cy="6858000"/>
           </a:xfrm>
         </p:spPr>
       </p:pic>
     </p:spTree>
     <p:extLst>
       <p:ext uri="{BB962C8B-B14F-4D97-AF65-F5344CB8AC3E}">
-        <p14:creationId xmlns:p14="http://schemas.microsoft.com/office/powerpoint/2010/main" val="55662849"/>
+        <p14:creationId xmlns:p14="http://schemas.microsoft.com/office/powerpoint/2010/main" val="2046675225"/>
       </p:ext>
     </p:extLst>
   </p:cSld>
@@ -5956,7 +5956,38 @@
                 <a:latin typeface="Times New Roman" panose="02020603050405020304" pitchFamily="18" charset="0"/>
                 <a:cs typeface="Times New Roman" panose="02020603050405020304" pitchFamily="18" charset="0"/>
               </a:rPr>
-              <a:t>Добавление дополнительных функций (пауза, правила игры, уровни сложности).</a:t>
+              <a:t>Добавление дополнительных функций (пауза, правила игры, уровни сложности</a:t>
+            </a:r>
+            <a:r>
+              <a:rPr lang="en-US" dirty="0">
+                <a:solidFill>
+                  <a:srgbClr val="404040"/>
+                </a:solidFill>
+                <a:latin typeface="Times New Roman" panose="02020603050405020304" pitchFamily="18" charset="0"/>
+                <a:cs typeface="Times New Roman" panose="02020603050405020304" pitchFamily="18" charset="0"/>
+              </a:rPr>
+              <a:t>,</a:t>
+            </a:r>
+            <a:r>
+              <a:rPr lang="ru-RU" dirty="0">
+                <a:solidFill>
+                  <a:srgbClr val="404040"/>
+                </a:solidFill>
+                <a:latin typeface="Times New Roman" panose="02020603050405020304" pitchFamily="18" charset="0"/>
+                <a:cs typeface="Times New Roman" panose="02020603050405020304" pitchFamily="18" charset="0"/>
+              </a:rPr>
+              <a:t> таблица рекордов, ввод имени игрока, включение звуков</a:t>
+            </a:r>
+            <a:r>
+              <a:rPr lang="ru-RU" b="0" i="0" dirty="0">
+                <a:solidFill>
+                  <a:srgbClr val="404040"/>
+                </a:solidFill>
+                <a:effectLst/>
+                <a:latin typeface="Times New Roman" panose="02020603050405020304" pitchFamily="18" charset="0"/>
+                <a:cs typeface="Times New Roman" panose="02020603050405020304" pitchFamily="18" charset="0"/>
+              </a:rPr>
+              <a:t>).</a:t>
             </a:r>
           </a:p>
           <a:p>
@@ -6199,8 +6230,8 @@
         </p:nvSpPr>
         <p:spPr bwMode="auto">
           <a:xfrm>
-            <a:off x="427840" y="1854328"/>
-            <a:ext cx="11764160" cy="3995958"/>
+            <a:off x="427840" y="1948814"/>
+            <a:ext cx="10925960" cy="3880541"/>
           </a:xfrm>
           <a:prstGeom prst="rect">
             <a:avLst/>
@@ -6248,801 +6279,643 @@
           </a:bodyPr>
           <a:lstStyle/>
           <a:p>
-            <a:pPr marL="0" marR="0" lvl="0" indent="0" algn="l" defTabSz="914400" rtl="0" eaLnBrk="0" fontAlgn="base" latinLnBrk="0" hangingPunct="0">
-              <a:lnSpc>
-                <a:spcPct val="100000"/>
-              </a:lnSpc>
+            <a:pPr marL="342900" lvl="0" indent="-342900">
               <a:spcBef>
-                <a:spcPct val="0"/>
+                <a:spcPts val="100"/>
               </a:spcBef>
               <a:spcAft>
-                <a:spcPct val="0"/>
+                <a:spcPts val="100"/>
               </a:spcAft>
-              <a:buClrTx/>
-              <a:buSzTx/>
-              <a:buFontTx/>
+              <a:buFont typeface="+mj-lt"/>
               <a:buAutoNum type="arabicPeriod"/>
-              <a:tabLst/>
+              <a:tabLst>
+                <a:tab pos="457200" algn="l"/>
+              </a:tabLst>
             </a:pPr>
             <a:r>
-              <a:rPr kumimoji="0" lang="ru-RU" altLang="ru-RU" b="1" i="0" u="none" strike="noStrike" cap="none" normalizeH="0" baseline="0" dirty="0" err="1">
-                <a:ln>
-                  <a:noFill/>
-                </a:ln>
-                <a:solidFill>
-                  <a:srgbClr val="404040"/>
-                </a:solidFill>
-                <a:effectLst/>
-                <a:latin typeface="var(--ds-font-family-code)"/>
+              <a:rPr lang="ru-RU" sz="1400" b="1" dirty="0" err="1">
+                <a:solidFill>
+                  <a:srgbClr val="24292F"/>
+                </a:solidFill>
+                <a:effectLst/>
+                <a:latin typeface="Times New Roman" panose="02020603050405020304" pitchFamily="18" charset="0"/>
+                <a:ea typeface="Times New Roman" panose="02020603050405020304" pitchFamily="18" charset="0"/>
+                <a:cs typeface="Times New Roman" panose="02020603050405020304" pitchFamily="18" charset="0"/>
               </a:rPr>
               <a:t>main</a:t>
             </a:r>
             <a:r>
-              <a:rPr kumimoji="0" lang="ru-RU" altLang="ru-RU" b="1" i="0" u="none" strike="noStrike" cap="none" normalizeH="0" baseline="0" dirty="0">
-                <a:ln>
-                  <a:noFill/>
-                </a:ln>
-                <a:solidFill>
-                  <a:srgbClr val="404040"/>
-                </a:solidFill>
-                <a:effectLst/>
-                <a:latin typeface="var(--ds-font-family-code)"/>
+              <a:rPr lang="ru-RU" sz="1400" b="1" dirty="0">
+                <a:solidFill>
+                  <a:srgbClr val="24292F"/>
+                </a:solidFill>
+                <a:effectLst/>
+                <a:latin typeface="Times New Roman" panose="02020603050405020304" pitchFamily="18" charset="0"/>
+                <a:ea typeface="Times New Roman" panose="02020603050405020304" pitchFamily="18" charset="0"/>
+                <a:cs typeface="Times New Roman" panose="02020603050405020304" pitchFamily="18" charset="0"/>
               </a:rPr>
               <a:t>()</a:t>
             </a:r>
-            <a:endParaRPr kumimoji="0" lang="ru-RU" altLang="ru-RU" sz="1200" b="0" i="0" u="none" strike="noStrike" cap="none" normalizeH="0" baseline="0" dirty="0">
-              <a:ln>
-                <a:noFill/>
-              </a:ln>
+            <a:endParaRPr lang="ru-RU" sz="1400" dirty="0">
               <a:solidFill>
-                <a:srgbClr val="404040"/>
+                <a:srgbClr val="24292F"/>
               </a:solidFill>
               <a:effectLst/>
-              <a:latin typeface="Inter"/>
+              <a:latin typeface="Times New Roman" panose="02020603050405020304" pitchFamily="18" charset="0"/>
+              <a:ea typeface="Calibri" panose="020F0502020204030204" pitchFamily="34" charset="0"/>
+              <a:cs typeface="Times New Roman" panose="02020603050405020304" pitchFamily="18" charset="0"/>
             </a:endParaRPr>
           </a:p>
           <a:p>
-            <a:pPr marL="457200" marR="0" lvl="1" indent="0" algn="l" defTabSz="914400" rtl="0" eaLnBrk="0" fontAlgn="base" latinLnBrk="0" hangingPunct="0">
-              <a:lnSpc>
-                <a:spcPct val="100000"/>
-              </a:lnSpc>
+            <a:pPr marL="628650" lvl="1" indent="-171450">
               <a:spcBef>
-                <a:spcPct val="0"/>
+                <a:spcPts val="100"/>
               </a:spcBef>
               <a:spcAft>
-                <a:spcPct val="0"/>
+                <a:spcPts val="100"/>
               </a:spcAft>
-              <a:buClrTx/>
-              <a:buSzTx/>
-              <a:buFontTx/>
+              <a:buSzPts val="1000"/>
+              <a:buFont typeface="Arial" panose="020B0604020202020204" pitchFamily="34" charset="0"/>
               <a:buChar char="•"/>
-              <a:tabLst/>
+              <a:tabLst>
+                <a:tab pos="914400" algn="l"/>
+              </a:tabLst>
             </a:pPr>
             <a:r>
-              <a:rPr kumimoji="0" lang="ru-RU" altLang="ru-RU" sz="1200" b="0" i="0" u="none" strike="noStrike" cap="none" normalizeH="0" baseline="0" dirty="0">
-                <a:ln>
-                  <a:noFill/>
-                </a:ln>
-                <a:solidFill>
-                  <a:srgbClr val="404040"/>
-                </a:solidFill>
-                <a:effectLst/>
-                <a:latin typeface="Inter"/>
-              </a:rPr>
-              <a:t>Основная функция, которая запускает игру, инициализирует ресурсы и управляет основным игровым циклом.</a:t>
-            </a:r>
-          </a:p>
-          <a:p>
-            <a:pPr marL="0" marR="0" lvl="0" indent="0" algn="l" defTabSz="914400" rtl="0" eaLnBrk="0" fontAlgn="base" latinLnBrk="0" hangingPunct="0">
-              <a:lnSpc>
-                <a:spcPct val="100000"/>
-              </a:lnSpc>
+              <a:rPr lang="ru-RU" sz="1400" b="1" dirty="0">
+                <a:solidFill>
+                  <a:srgbClr val="24292F"/>
+                </a:solidFill>
+                <a:effectLst/>
+                <a:latin typeface="Times New Roman" panose="02020603050405020304" pitchFamily="18" charset="0"/>
+                <a:ea typeface="Times New Roman" panose="02020603050405020304" pitchFamily="18" charset="0"/>
+                <a:cs typeface="Times New Roman" panose="02020603050405020304" pitchFamily="18" charset="0"/>
+              </a:rPr>
+              <a:t>Главная функция, которая инициализирует игру, загружает ресурсы и запускает основной игровой цикл.</a:t>
+            </a:r>
+            <a:endParaRPr lang="ru-RU" sz="1400" dirty="0">
+              <a:solidFill>
+                <a:srgbClr val="24292F"/>
+              </a:solidFill>
+              <a:effectLst/>
+              <a:latin typeface="Times New Roman" panose="02020603050405020304" pitchFamily="18" charset="0"/>
+              <a:ea typeface="Calibri" panose="020F0502020204030204" pitchFamily="34" charset="0"/>
+              <a:cs typeface="Times New Roman" panose="02020603050405020304" pitchFamily="18" charset="0"/>
+            </a:endParaRPr>
+          </a:p>
+          <a:p>
+            <a:pPr marL="342900" lvl="0" indent="-342900">
               <a:spcBef>
-                <a:spcPct val="0"/>
+                <a:spcPts val="100"/>
               </a:spcBef>
               <a:spcAft>
-                <a:spcPct val="0"/>
+                <a:spcPts val="100"/>
               </a:spcAft>
-              <a:buClrTx/>
-              <a:buSzTx/>
-              <a:buFontTx/>
-              <a:buAutoNum type="arabicPeriod" startAt="2"/>
-              <a:tabLst/>
+              <a:buFont typeface="+mj-lt"/>
+              <a:buAutoNum type="arabicPeriod"/>
+              <a:tabLst>
+                <a:tab pos="457200" algn="l"/>
+              </a:tabLst>
             </a:pPr>
             <a:r>
-              <a:rPr kumimoji="0" lang="ru-RU" altLang="ru-RU" b="1" i="0" u="none" strike="noStrike" cap="none" normalizeH="0" baseline="0" dirty="0" err="1">
-                <a:ln>
-                  <a:noFill/>
-                </a:ln>
-                <a:solidFill>
-                  <a:srgbClr val="404040"/>
-                </a:solidFill>
-                <a:effectLst/>
-                <a:latin typeface="var(--ds-font-family-code)"/>
+              <a:rPr lang="ru-RU" sz="1400" b="1" dirty="0" err="1">
+                <a:solidFill>
+                  <a:srgbClr val="24292F"/>
+                </a:solidFill>
+                <a:effectLst/>
+                <a:latin typeface="Times New Roman" panose="02020603050405020304" pitchFamily="18" charset="0"/>
+                <a:ea typeface="Times New Roman" panose="02020603050405020304" pitchFamily="18" charset="0"/>
+                <a:cs typeface="Times New Roman" panose="02020603050405020304" pitchFamily="18" charset="0"/>
               </a:rPr>
               <a:t>playTetris</a:t>
             </a:r>
             <a:r>
-              <a:rPr kumimoji="0" lang="ru-RU" altLang="ru-RU" b="1" i="0" u="none" strike="noStrike" cap="none" normalizeH="0" baseline="0" dirty="0">
-                <a:ln>
-                  <a:noFill/>
-                </a:ln>
-                <a:solidFill>
-                  <a:srgbClr val="404040"/>
-                </a:solidFill>
-                <a:effectLst/>
-                <a:latin typeface="var(--ds-font-family-code)"/>
+              <a:rPr lang="ru-RU" sz="1400" b="1" dirty="0">
+                <a:solidFill>
+                  <a:srgbClr val="24292F"/>
+                </a:solidFill>
+                <a:effectLst/>
+                <a:latin typeface="Times New Roman" panose="02020603050405020304" pitchFamily="18" charset="0"/>
+                <a:ea typeface="Times New Roman" panose="02020603050405020304" pitchFamily="18" charset="0"/>
+                <a:cs typeface="Times New Roman" panose="02020603050405020304" pitchFamily="18" charset="0"/>
               </a:rPr>
               <a:t>()</a:t>
             </a:r>
-            <a:endParaRPr kumimoji="0" lang="ru-RU" altLang="ru-RU" sz="1200" b="0" i="0" u="none" strike="noStrike" cap="none" normalizeH="0" baseline="0" dirty="0">
-              <a:ln>
-                <a:noFill/>
-              </a:ln>
+            <a:endParaRPr lang="ru-RU" sz="1400" dirty="0">
               <a:solidFill>
-                <a:srgbClr val="404040"/>
+                <a:srgbClr val="24292F"/>
               </a:solidFill>
               <a:effectLst/>
-              <a:latin typeface="Inter"/>
+              <a:latin typeface="Times New Roman" panose="02020603050405020304" pitchFamily="18" charset="0"/>
+              <a:ea typeface="Calibri" panose="020F0502020204030204" pitchFamily="34" charset="0"/>
+              <a:cs typeface="Times New Roman" panose="02020603050405020304" pitchFamily="18" charset="0"/>
             </a:endParaRPr>
           </a:p>
           <a:p>
-            <a:pPr marL="457200" marR="0" lvl="1" indent="0" algn="l" defTabSz="914400" rtl="0" eaLnBrk="0" fontAlgn="base" latinLnBrk="0" hangingPunct="0">
-              <a:lnSpc>
-                <a:spcPct val="100000"/>
-              </a:lnSpc>
+            <a:pPr marL="628650" lvl="1" indent="-171450">
               <a:spcBef>
-                <a:spcPct val="0"/>
+                <a:spcPts val="100"/>
               </a:spcBef>
               <a:spcAft>
-                <a:spcPct val="0"/>
+                <a:spcPts val="100"/>
               </a:spcAft>
-              <a:buClrTx/>
-              <a:buSzTx/>
-              <a:buFontTx/>
+              <a:buSzPts val="1000"/>
+              <a:buFont typeface="Arial" panose="020B0604020202020204" pitchFamily="34" charset="0"/>
               <a:buChar char="•"/>
-              <a:tabLst/>
+              <a:tabLst>
+                <a:tab pos="914400" algn="l"/>
+              </a:tabLst>
             </a:pPr>
             <a:r>
-              <a:rPr kumimoji="0" lang="ru-RU" altLang="ru-RU" sz="1200" b="0" i="0" u="none" strike="noStrike" cap="none" normalizeH="0" baseline="0" dirty="0">
-                <a:ln>
-                  <a:noFill/>
-                </a:ln>
-                <a:solidFill>
-                  <a:srgbClr val="404040"/>
-                </a:solidFill>
-                <a:effectLst/>
-                <a:latin typeface="Inter"/>
-              </a:rPr>
-              <a:t>Главный игровой цикл, который управляет логикой игры, включая движение фигур, проверку столкновений, подсчет очков и завершение игры.</a:t>
-            </a:r>
-          </a:p>
-          <a:p>
-            <a:pPr marL="0" marR="0" lvl="0" indent="0" algn="l" defTabSz="914400" rtl="0" eaLnBrk="0" fontAlgn="base" latinLnBrk="0" hangingPunct="0">
-              <a:lnSpc>
-                <a:spcPct val="100000"/>
-              </a:lnSpc>
+              <a:rPr lang="ru-RU" sz="1400" b="1" dirty="0">
+                <a:solidFill>
+                  <a:srgbClr val="24292F"/>
+                </a:solidFill>
+                <a:effectLst/>
+                <a:latin typeface="Times New Roman" panose="02020603050405020304" pitchFamily="18" charset="0"/>
+                <a:ea typeface="Times New Roman" panose="02020603050405020304" pitchFamily="18" charset="0"/>
+                <a:cs typeface="Times New Roman" panose="02020603050405020304" pitchFamily="18" charset="0"/>
+              </a:rPr>
+              <a:t>Основной игровой цикл, управляющий логикой игры: движение фигур, проверка столкновений, очистка линий, обновление счета и уровня.</a:t>
+            </a:r>
+            <a:endParaRPr lang="ru-RU" sz="1400" dirty="0">
+              <a:solidFill>
+                <a:srgbClr val="24292F"/>
+              </a:solidFill>
+              <a:effectLst/>
+              <a:latin typeface="Times New Roman" panose="02020603050405020304" pitchFamily="18" charset="0"/>
+              <a:ea typeface="Calibri" panose="020F0502020204030204" pitchFamily="34" charset="0"/>
+              <a:cs typeface="Times New Roman" panose="02020603050405020304" pitchFamily="18" charset="0"/>
+            </a:endParaRPr>
+          </a:p>
+          <a:p>
+            <a:pPr marL="342900" lvl="0" indent="-342900">
               <a:spcBef>
-                <a:spcPct val="0"/>
+                <a:spcPts val="100"/>
               </a:spcBef>
               <a:spcAft>
-                <a:spcPct val="0"/>
+                <a:spcPts val="100"/>
               </a:spcAft>
-              <a:buClrTx/>
-              <a:buSzTx/>
-              <a:buFontTx/>
-              <a:buAutoNum type="arabicPeriod" startAt="3"/>
-              <a:tabLst/>
+              <a:buFont typeface="+mj-lt"/>
+              <a:buAutoNum type="arabicPeriod"/>
+              <a:tabLst>
+                <a:tab pos="457200" algn="l"/>
+              </a:tabLst>
             </a:pPr>
             <a:r>
-              <a:rPr kumimoji="0" lang="ru-RU" altLang="ru-RU" b="1" i="0" u="none" strike="noStrike" cap="none" normalizeH="0" baseline="0" dirty="0" err="1">
-                <a:ln>
-                  <a:noFill/>
-                </a:ln>
-                <a:solidFill>
-                  <a:srgbClr val="404040"/>
-                </a:solidFill>
-                <a:effectLst/>
-                <a:latin typeface="var(--ds-font-family-code)"/>
+              <a:rPr lang="ru-RU" sz="1400" b="1" dirty="0" err="1">
+                <a:solidFill>
+                  <a:srgbClr val="24292F"/>
+                </a:solidFill>
+                <a:effectLst/>
+                <a:latin typeface="Times New Roman" panose="02020603050405020304" pitchFamily="18" charset="0"/>
+                <a:ea typeface="Times New Roman" panose="02020603050405020304" pitchFamily="18" charset="0"/>
+                <a:cs typeface="Times New Roman" panose="02020603050405020304" pitchFamily="18" charset="0"/>
               </a:rPr>
               <a:t>showInitialText</a:t>
             </a:r>
             <a:r>
-              <a:rPr kumimoji="0" lang="ru-RU" altLang="ru-RU" b="1" i="0" u="none" strike="noStrike" cap="none" normalizeH="0" baseline="0" dirty="0">
-                <a:ln>
-                  <a:noFill/>
-                </a:ln>
-                <a:solidFill>
-                  <a:srgbClr val="404040"/>
-                </a:solidFill>
-                <a:effectLst/>
-                <a:latin typeface="var(--ds-font-family-code)"/>
+              <a:rPr lang="ru-RU" sz="1400" b="1" dirty="0">
+                <a:solidFill>
+                  <a:srgbClr val="24292F"/>
+                </a:solidFill>
+                <a:effectLst/>
+                <a:latin typeface="Times New Roman" panose="02020603050405020304" pitchFamily="18" charset="0"/>
+                <a:ea typeface="Times New Roman" panose="02020603050405020304" pitchFamily="18" charset="0"/>
+                <a:cs typeface="Times New Roman" panose="02020603050405020304" pitchFamily="18" charset="0"/>
               </a:rPr>
               <a:t>(</a:t>
             </a:r>
             <a:r>
-              <a:rPr kumimoji="0" lang="ru-RU" altLang="ru-RU" b="1" i="0" u="none" strike="noStrike" cap="none" normalizeH="0" baseline="0" dirty="0" err="1">
-                <a:ln>
-                  <a:noFill/>
-                </a:ln>
-                <a:solidFill>
-                  <a:srgbClr val="404040"/>
-                </a:solidFill>
-                <a:effectLst/>
-                <a:latin typeface="var(--ds-font-family-code)"/>
+              <a:rPr lang="ru-RU" sz="1400" b="1" dirty="0" err="1">
+                <a:solidFill>
+                  <a:srgbClr val="24292F"/>
+                </a:solidFill>
+                <a:effectLst/>
+                <a:latin typeface="Times New Roman" panose="02020603050405020304" pitchFamily="18" charset="0"/>
+                <a:ea typeface="Times New Roman" panose="02020603050405020304" pitchFamily="18" charset="0"/>
+                <a:cs typeface="Times New Roman" panose="02020603050405020304" pitchFamily="18" charset="0"/>
               </a:rPr>
               <a:t>text</a:t>
             </a:r>
             <a:r>
-              <a:rPr kumimoji="0" lang="ru-RU" altLang="ru-RU" b="1" i="0" u="none" strike="noStrike" cap="none" normalizeH="0" baseline="0" dirty="0">
-                <a:ln>
-                  <a:noFill/>
-                </a:ln>
-                <a:solidFill>
-                  <a:srgbClr val="404040"/>
-                </a:solidFill>
-                <a:effectLst/>
-                <a:latin typeface="var(--ds-font-family-code)"/>
+              <a:rPr lang="ru-RU" sz="1400" b="1" dirty="0">
+                <a:solidFill>
+                  <a:srgbClr val="24292F"/>
+                </a:solidFill>
+                <a:effectLst/>
+                <a:latin typeface="Times New Roman" panose="02020603050405020304" pitchFamily="18" charset="0"/>
+                <a:ea typeface="Times New Roman" panose="02020603050405020304" pitchFamily="18" charset="0"/>
+                <a:cs typeface="Times New Roman" panose="02020603050405020304" pitchFamily="18" charset="0"/>
               </a:rPr>
               <a:t>)</a:t>
             </a:r>
-            <a:endParaRPr kumimoji="0" lang="ru-RU" altLang="ru-RU" sz="1200" b="0" i="0" u="none" strike="noStrike" cap="none" normalizeH="0" baseline="0" dirty="0">
-              <a:ln>
-                <a:noFill/>
-              </a:ln>
+            <a:endParaRPr lang="ru-RU" sz="1400" dirty="0">
               <a:solidFill>
-                <a:srgbClr val="404040"/>
+                <a:srgbClr val="24292F"/>
               </a:solidFill>
               <a:effectLst/>
-              <a:latin typeface="Inter"/>
+              <a:latin typeface="Times New Roman" panose="02020603050405020304" pitchFamily="18" charset="0"/>
+              <a:ea typeface="Calibri" panose="020F0502020204030204" pitchFamily="34" charset="0"/>
+              <a:cs typeface="Times New Roman" panose="02020603050405020304" pitchFamily="18" charset="0"/>
             </a:endParaRPr>
           </a:p>
           <a:p>
-            <a:pPr marL="457200" marR="0" lvl="1" indent="0" algn="l" defTabSz="914400" rtl="0" eaLnBrk="0" fontAlgn="base" latinLnBrk="0" hangingPunct="0">
-              <a:lnSpc>
-                <a:spcPct val="100000"/>
-              </a:lnSpc>
+            <a:pPr lvl="1">
               <a:spcBef>
-                <a:spcPct val="0"/>
+                <a:spcPts val="100"/>
               </a:spcBef>
               <a:spcAft>
-                <a:spcPct val="0"/>
+                <a:spcPts val="100"/>
               </a:spcAft>
-              <a:buClrTx/>
-              <a:buSzTx/>
-              <a:buFontTx/>
-              <a:buChar char="•"/>
-              <a:tabLst/>
+              <a:buSzPts val="1000"/>
+              <a:tabLst>
+                <a:tab pos="914400" algn="l"/>
+              </a:tabLst>
             </a:pPr>
             <a:r>
-              <a:rPr kumimoji="0" lang="ru-RU" altLang="ru-RU" sz="1200" b="0" i="0" u="none" strike="noStrike" cap="none" normalizeH="0" baseline="0" dirty="0">
-                <a:ln>
-                  <a:noFill/>
-                </a:ln>
-                <a:solidFill>
-                  <a:srgbClr val="404040"/>
-                </a:solidFill>
-                <a:effectLst/>
-                <a:latin typeface="Inter"/>
-              </a:rPr>
-              <a:t>Отображает начальный текст (например, название игры или сообщение о завершении) и ожидает нажатия клавиши для продолжения.</a:t>
-            </a:r>
-          </a:p>
-          <a:p>
-            <a:pPr marL="0" marR="0" lvl="0" indent="0" algn="l" defTabSz="914400" rtl="0" eaLnBrk="0" fontAlgn="base" latinLnBrk="0" hangingPunct="0">
-              <a:lnSpc>
-                <a:spcPct val="100000"/>
-              </a:lnSpc>
+              <a:rPr lang="ru-RU" sz="1400" b="1" dirty="0">
+                <a:solidFill>
+                  <a:srgbClr val="24292F"/>
+                </a:solidFill>
+                <a:effectLst/>
+                <a:latin typeface="Times New Roman" panose="02020603050405020304" pitchFamily="18" charset="0"/>
+                <a:ea typeface="Times New Roman" panose="02020603050405020304" pitchFamily="18" charset="0"/>
+                <a:cs typeface="Times New Roman" panose="02020603050405020304" pitchFamily="18" charset="0"/>
+              </a:rPr>
+              <a:t>Отображает начальный текст (например, название игры или сообщение о паузе) и ждет нажатия клавиши для продолжения.</a:t>
+            </a:r>
+            <a:endParaRPr lang="ru-RU" sz="1400" dirty="0">
+              <a:solidFill>
+                <a:srgbClr val="24292F"/>
+              </a:solidFill>
+              <a:effectLst/>
+              <a:latin typeface="Times New Roman" panose="02020603050405020304" pitchFamily="18" charset="0"/>
+              <a:ea typeface="Calibri" panose="020F0502020204030204" pitchFamily="34" charset="0"/>
+              <a:cs typeface="Times New Roman" panose="02020603050405020304" pitchFamily="18" charset="0"/>
+            </a:endParaRPr>
+          </a:p>
+          <a:p>
+            <a:pPr marL="342900" lvl="0" indent="-342900">
               <a:spcBef>
-                <a:spcPct val="0"/>
+                <a:spcPts val="100"/>
               </a:spcBef>
               <a:spcAft>
-                <a:spcPct val="0"/>
+                <a:spcPts val="100"/>
               </a:spcAft>
-              <a:buClrTx/>
-              <a:buSzTx/>
-              <a:buFontTx/>
-              <a:buAutoNum type="arabicPeriod" startAt="4"/>
-              <a:tabLst/>
+              <a:buFont typeface="+mj-lt"/>
+              <a:buAutoNum type="arabicPeriod"/>
+              <a:tabLst>
+                <a:tab pos="457200" algn="l"/>
+              </a:tabLst>
             </a:pPr>
             <a:r>
-              <a:rPr kumimoji="0" lang="ru-RU" altLang="ru-RU" b="1" i="0" u="none" strike="noStrike" cap="none" normalizeH="0" baseline="0" dirty="0" err="1">
-                <a:ln>
-                  <a:noFill/>
-                </a:ln>
-                <a:solidFill>
-                  <a:srgbClr val="404040"/>
-                </a:solidFill>
-                <a:effectLst/>
-                <a:latin typeface="var(--ds-font-family-code)"/>
-              </a:rPr>
-              <a:t>game_over</a:t>
-            </a:r>
-            <a:r>
-              <a:rPr kumimoji="0" lang="ru-RU" altLang="ru-RU" b="1" i="0" u="none" strike="noStrike" cap="none" normalizeH="0" baseline="0" dirty="0">
-                <a:ln>
-                  <a:noFill/>
-                </a:ln>
-                <a:solidFill>
-                  <a:srgbClr val="404040"/>
-                </a:solidFill>
-                <a:effectLst/>
-                <a:latin typeface="var(--ds-font-family-code)"/>
-              </a:rPr>
-              <a:t>(</a:t>
-            </a:r>
-            <a:r>
-              <a:rPr kumimoji="0" lang="ru-RU" altLang="ru-RU" b="1" i="0" u="none" strike="noStrike" cap="none" normalizeH="0" baseline="0" dirty="0" err="1">
-                <a:ln>
-                  <a:noFill/>
-                </a:ln>
-                <a:solidFill>
-                  <a:srgbClr val="404040"/>
-                </a:solidFill>
-                <a:effectLst/>
-                <a:latin typeface="var(--ds-font-family-code)"/>
-              </a:rPr>
-              <a:t>score</a:t>
-            </a:r>
-            <a:r>
-              <a:rPr kumimoji="0" lang="ru-RU" altLang="ru-RU" b="1" i="0" u="none" strike="noStrike" cap="none" normalizeH="0" baseline="0" dirty="0">
-                <a:ln>
-                  <a:noFill/>
-                </a:ln>
-                <a:solidFill>
-                  <a:srgbClr val="404040"/>
-                </a:solidFill>
-                <a:effectLst/>
-                <a:latin typeface="var(--ds-font-family-code)"/>
-              </a:rPr>
-              <a:t>)</a:t>
-            </a:r>
-            <a:endParaRPr kumimoji="0" lang="ru-RU" altLang="ru-RU" sz="1200" b="0" i="0" u="none" strike="noStrike" cap="none" normalizeH="0" baseline="0" dirty="0">
-              <a:ln>
-                <a:noFill/>
-              </a:ln>
+              <a:rPr lang="ru-RU" sz="1400" b="1" dirty="0" err="1">
+                <a:solidFill>
+                  <a:srgbClr val="24292F"/>
+                </a:solidFill>
+                <a:effectLst/>
+                <a:latin typeface="Times New Roman" panose="02020603050405020304" pitchFamily="18" charset="0"/>
+                <a:ea typeface="Times New Roman" panose="02020603050405020304" pitchFamily="18" charset="0"/>
+                <a:cs typeface="Times New Roman" panose="02020603050405020304" pitchFamily="18" charset="0"/>
+              </a:rPr>
+              <a:t>showGameRules</a:t>
+            </a:r>
+            <a:r>
+              <a:rPr lang="ru-RU" sz="1400" b="1" dirty="0">
+                <a:solidFill>
+                  <a:srgbClr val="24292F"/>
+                </a:solidFill>
+                <a:effectLst/>
+                <a:latin typeface="Times New Roman" panose="02020603050405020304" pitchFamily="18" charset="0"/>
+                <a:ea typeface="Times New Roman" panose="02020603050405020304" pitchFamily="18" charset="0"/>
+                <a:cs typeface="Times New Roman" panose="02020603050405020304" pitchFamily="18" charset="0"/>
+              </a:rPr>
+              <a:t>()</a:t>
+            </a:r>
+            <a:endParaRPr lang="ru-RU" sz="1400" dirty="0">
               <a:solidFill>
-                <a:srgbClr val="404040"/>
+                <a:srgbClr val="24292F"/>
               </a:solidFill>
               <a:effectLst/>
-              <a:latin typeface="Inter"/>
+              <a:latin typeface="Times New Roman" panose="02020603050405020304" pitchFamily="18" charset="0"/>
+              <a:ea typeface="Calibri" panose="020F0502020204030204" pitchFamily="34" charset="0"/>
+              <a:cs typeface="Times New Roman" panose="02020603050405020304" pitchFamily="18" charset="0"/>
             </a:endParaRPr>
           </a:p>
           <a:p>
-            <a:pPr marL="457200" marR="0" lvl="1" indent="0" algn="l" defTabSz="914400" rtl="0" eaLnBrk="0" fontAlgn="base" latinLnBrk="0" hangingPunct="0">
-              <a:lnSpc>
-                <a:spcPct val="100000"/>
-              </a:lnSpc>
+            <a:pPr marL="742950" lvl="1" indent="-285750">
               <a:spcBef>
-                <a:spcPct val="0"/>
+                <a:spcPts val="100"/>
               </a:spcBef>
               <a:spcAft>
-                <a:spcPct val="0"/>
+                <a:spcPts val="100"/>
               </a:spcAft>
-              <a:buClrTx/>
-              <a:buSzTx/>
-              <a:buFontTx/>
+              <a:buSzPts val="1000"/>
+              <a:buFont typeface="Arial" panose="020B0604020202020204" pitchFamily="34" charset="0"/>
               <a:buChar char="•"/>
-              <a:tabLst/>
+              <a:tabLst>
+                <a:tab pos="914400" algn="l"/>
+              </a:tabLst>
             </a:pPr>
             <a:r>
-              <a:rPr kumimoji="0" lang="ru-RU" altLang="ru-RU" sz="1200" b="0" i="0" u="none" strike="noStrike" cap="none" normalizeH="0" baseline="0" dirty="0">
-                <a:ln>
-                  <a:noFill/>
-                </a:ln>
-                <a:solidFill>
-                  <a:srgbClr val="404040"/>
-                </a:solidFill>
-                <a:effectLst/>
-                <a:latin typeface="Inter"/>
-              </a:rPr>
-              <a:t>Обрабатывает завершение игры, добавляет текущий счет в таблицу рекордов и сортирует ее.</a:t>
-            </a:r>
-          </a:p>
-          <a:p>
-            <a:pPr marL="0" marR="0" lvl="0" indent="0" algn="l" defTabSz="914400" rtl="0" eaLnBrk="0" fontAlgn="base" latinLnBrk="0" hangingPunct="0">
-              <a:lnSpc>
-                <a:spcPct val="100000"/>
-              </a:lnSpc>
+              <a:rPr lang="ru-RU" sz="1400" b="1" dirty="0">
+                <a:solidFill>
+                  <a:srgbClr val="24292F"/>
+                </a:solidFill>
+                <a:effectLst/>
+                <a:latin typeface="Times New Roman" panose="02020603050405020304" pitchFamily="18" charset="0"/>
+                <a:ea typeface="Times New Roman" panose="02020603050405020304" pitchFamily="18" charset="0"/>
+                <a:cs typeface="Times New Roman" panose="02020603050405020304" pitchFamily="18" charset="0"/>
+              </a:rPr>
+              <a:t>Отображает правила игры на экране.</a:t>
+            </a:r>
+            <a:endParaRPr lang="ru-RU" sz="1400" dirty="0">
+              <a:solidFill>
+                <a:srgbClr val="24292F"/>
+              </a:solidFill>
+              <a:effectLst/>
+              <a:latin typeface="Times New Roman" panose="02020603050405020304" pitchFamily="18" charset="0"/>
+              <a:ea typeface="Calibri" panose="020F0502020204030204" pitchFamily="34" charset="0"/>
+              <a:cs typeface="Times New Roman" panose="02020603050405020304" pitchFamily="18" charset="0"/>
+            </a:endParaRPr>
+          </a:p>
+          <a:p>
+            <a:pPr marL="342900" lvl="0" indent="-342900">
               <a:spcBef>
-                <a:spcPct val="0"/>
+                <a:spcPts val="100"/>
               </a:spcBef>
               <a:spcAft>
-                <a:spcPct val="0"/>
+                <a:spcPts val="100"/>
               </a:spcAft>
-              <a:buClrTx/>
-              <a:buSzTx/>
-              <a:buFontTx/>
-              <a:buAutoNum type="arabicPeriod" startAt="5"/>
-              <a:tabLst/>
+              <a:buFont typeface="+mj-lt"/>
+              <a:buAutoNum type="arabicPeriod"/>
+              <a:tabLst>
+                <a:tab pos="457200" algn="l"/>
+              </a:tabLst>
             </a:pPr>
             <a:r>
-              <a:rPr kumimoji="0" lang="ru-RU" altLang="ru-RU" b="1" i="0" u="none" strike="noStrike" cap="none" normalizeH="0" baseline="0" dirty="0" err="1">
-                <a:ln>
-                  <a:noFill/>
-                </a:ln>
-                <a:solidFill>
-                  <a:srgbClr val="404040"/>
-                </a:solidFill>
-                <a:effectLst/>
-                <a:latin typeface="var(--ds-font-family-code)"/>
+              <a:rPr lang="ru-RU" sz="1400" b="1" dirty="0" err="1">
+                <a:solidFill>
+                  <a:srgbClr val="24292F"/>
+                </a:solidFill>
+                <a:effectLst/>
+                <a:latin typeface="Times New Roman" panose="02020603050405020304" pitchFamily="18" charset="0"/>
+                <a:ea typeface="Times New Roman" panose="02020603050405020304" pitchFamily="18" charset="0"/>
+                <a:cs typeface="Times New Roman" panose="02020603050405020304" pitchFamily="18" charset="0"/>
               </a:rPr>
               <a:t>show_score_table</a:t>
             </a:r>
             <a:r>
-              <a:rPr kumimoji="0" lang="ru-RU" altLang="ru-RU" b="1" i="0" u="none" strike="noStrike" cap="none" normalizeH="0" baseline="0" dirty="0">
-                <a:ln>
-                  <a:noFill/>
-                </a:ln>
-                <a:solidFill>
-                  <a:srgbClr val="404040"/>
-                </a:solidFill>
-                <a:effectLst/>
-                <a:latin typeface="var(--ds-font-family-code)"/>
+              <a:rPr lang="ru-RU" sz="1400" b="1" dirty="0">
+                <a:solidFill>
+                  <a:srgbClr val="24292F"/>
+                </a:solidFill>
+                <a:effectLst/>
+                <a:latin typeface="Times New Roman" panose="02020603050405020304" pitchFamily="18" charset="0"/>
+                <a:ea typeface="Times New Roman" panose="02020603050405020304" pitchFamily="18" charset="0"/>
+                <a:cs typeface="Times New Roman" panose="02020603050405020304" pitchFamily="18" charset="0"/>
               </a:rPr>
               <a:t>()</a:t>
             </a:r>
-            <a:endParaRPr kumimoji="0" lang="ru-RU" altLang="ru-RU" sz="1200" b="0" i="0" u="none" strike="noStrike" cap="none" normalizeH="0" baseline="0" dirty="0">
-              <a:ln>
-                <a:noFill/>
-              </a:ln>
+            <a:endParaRPr lang="ru-RU" sz="1400" dirty="0">
               <a:solidFill>
-                <a:srgbClr val="404040"/>
+                <a:srgbClr val="24292F"/>
               </a:solidFill>
               <a:effectLst/>
-              <a:latin typeface="Inter"/>
+              <a:latin typeface="Times New Roman" panose="02020603050405020304" pitchFamily="18" charset="0"/>
+              <a:ea typeface="Calibri" panose="020F0502020204030204" pitchFamily="34" charset="0"/>
+              <a:cs typeface="Times New Roman" panose="02020603050405020304" pitchFamily="18" charset="0"/>
             </a:endParaRPr>
           </a:p>
           <a:p>
-            <a:pPr marL="457200" marR="0" lvl="1" indent="0" algn="l" defTabSz="914400" rtl="0" eaLnBrk="0" fontAlgn="base" latinLnBrk="0" hangingPunct="0">
-              <a:lnSpc>
-                <a:spcPct val="100000"/>
-              </a:lnSpc>
+            <a:pPr marL="742950" lvl="1" indent="-285750">
               <a:spcBef>
-                <a:spcPct val="0"/>
+                <a:spcPts val="100"/>
               </a:spcBef>
               <a:spcAft>
-                <a:spcPct val="0"/>
+                <a:spcPts val="100"/>
               </a:spcAft>
-              <a:buClrTx/>
-              <a:buSzTx/>
-              <a:buFontTx/>
+              <a:buSzPts val="1000"/>
+              <a:buFont typeface="Arial" panose="020B0604020202020204" pitchFamily="34" charset="0"/>
               <a:buChar char="•"/>
-              <a:tabLst/>
+              <a:tabLst>
+                <a:tab pos="914400" algn="l"/>
+              </a:tabLst>
             </a:pPr>
             <a:r>
-              <a:rPr kumimoji="0" lang="ru-RU" altLang="ru-RU" sz="1200" b="0" i="0" u="none" strike="noStrike" cap="none" normalizeH="0" baseline="0" dirty="0">
-                <a:ln>
-                  <a:noFill/>
-                </a:ln>
-                <a:solidFill>
-                  <a:srgbClr val="404040"/>
-                </a:solidFill>
-                <a:effectLst/>
-                <a:latin typeface="Inter"/>
-              </a:rPr>
-              <a:t>Отображает таблицу рекордов и ожидает нажатия клавиши для возвращения в меню.</a:t>
-            </a:r>
-          </a:p>
-          <a:p>
-            <a:pPr marL="0" marR="0" lvl="0" indent="0" algn="l" defTabSz="914400" rtl="0" eaLnBrk="0" fontAlgn="base" latinLnBrk="0" hangingPunct="0">
-              <a:lnSpc>
-                <a:spcPct val="100000"/>
-              </a:lnSpc>
+              <a:rPr lang="ru-RU" sz="1400" b="1" dirty="0">
+                <a:solidFill>
+                  <a:srgbClr val="24292F"/>
+                </a:solidFill>
+                <a:effectLst/>
+                <a:latin typeface="Times New Roman" panose="02020603050405020304" pitchFamily="18" charset="0"/>
+                <a:ea typeface="Times New Roman" panose="02020603050405020304" pitchFamily="18" charset="0"/>
+                <a:cs typeface="Times New Roman" panose="02020603050405020304" pitchFamily="18" charset="0"/>
+              </a:rPr>
+              <a:t>Отображает таблицу рекордов.</a:t>
+            </a:r>
+            <a:endParaRPr lang="ru-RU" sz="1400" dirty="0">
+              <a:solidFill>
+                <a:srgbClr val="24292F"/>
+              </a:solidFill>
+              <a:effectLst/>
+              <a:latin typeface="Times New Roman" panose="02020603050405020304" pitchFamily="18" charset="0"/>
+              <a:ea typeface="Calibri" panose="020F0502020204030204" pitchFamily="34" charset="0"/>
+              <a:cs typeface="Times New Roman" panose="02020603050405020304" pitchFamily="18" charset="0"/>
+            </a:endParaRPr>
+          </a:p>
+          <a:p>
+            <a:pPr marL="342900" lvl="0" indent="-342900">
               <a:spcBef>
-                <a:spcPct val="0"/>
+                <a:spcPts val="100"/>
               </a:spcBef>
               <a:spcAft>
-                <a:spcPct val="0"/>
+                <a:spcPts val="100"/>
               </a:spcAft>
-              <a:buClrTx/>
-              <a:buSzTx/>
-              <a:buFontTx/>
-              <a:buAutoNum type="arabicPeriod" startAt="6"/>
-              <a:tabLst/>
+              <a:buFont typeface="+mj-lt"/>
+              <a:buAutoNum type="arabicPeriod"/>
+              <a:tabLst>
+                <a:tab pos="457200" algn="l"/>
+              </a:tabLst>
             </a:pPr>
             <a:r>
-              <a:rPr kumimoji="0" lang="ru-RU" altLang="ru-RU" b="1" i="0" u="none" strike="noStrike" cap="none" normalizeH="0" baseline="0" dirty="0" err="1">
-                <a:ln>
-                  <a:noFill/>
-                </a:ln>
-                <a:solidFill>
-                  <a:srgbClr val="404040"/>
-                </a:solidFill>
-                <a:effectLst/>
-                <a:latin typeface="var(--ds-font-family-code)"/>
-              </a:rPr>
-              <a:t>displayPauseScreen</a:t>
-            </a:r>
-            <a:r>
-              <a:rPr kumimoji="0" lang="ru-RU" altLang="ru-RU" b="1" i="0" u="none" strike="noStrike" cap="none" normalizeH="0" baseline="0" dirty="0">
-                <a:ln>
-                  <a:noFill/>
-                </a:ln>
-                <a:solidFill>
-                  <a:srgbClr val="404040"/>
-                </a:solidFill>
-                <a:effectLst/>
-                <a:latin typeface="var(--ds-font-family-code)"/>
-              </a:rPr>
-              <a:t>()</a:t>
-            </a:r>
-            <a:endParaRPr kumimoji="0" lang="ru-RU" altLang="ru-RU" sz="1200" b="0" i="0" u="none" strike="noStrike" cap="none" normalizeH="0" baseline="0" dirty="0">
-              <a:ln>
-                <a:noFill/>
-              </a:ln>
+              <a:rPr lang="ru-RU" sz="1400" b="1" dirty="0" err="1">
+                <a:solidFill>
+                  <a:srgbClr val="24292F"/>
+                </a:solidFill>
+                <a:effectLst/>
+                <a:latin typeface="Times New Roman" panose="02020603050405020304" pitchFamily="18" charset="0"/>
+                <a:ea typeface="Times New Roman" panose="02020603050405020304" pitchFamily="18" charset="0"/>
+                <a:cs typeface="Times New Roman" panose="02020603050405020304" pitchFamily="18" charset="0"/>
+              </a:rPr>
+              <a:t>game_over</a:t>
+            </a:r>
+            <a:r>
+              <a:rPr lang="ru-RU" sz="1400" b="1" dirty="0">
+                <a:solidFill>
+                  <a:srgbClr val="24292F"/>
+                </a:solidFill>
+                <a:effectLst/>
+                <a:latin typeface="Times New Roman" panose="02020603050405020304" pitchFamily="18" charset="0"/>
+                <a:ea typeface="Times New Roman" panose="02020603050405020304" pitchFamily="18" charset="0"/>
+                <a:cs typeface="Times New Roman" panose="02020603050405020304" pitchFamily="18" charset="0"/>
+              </a:rPr>
+              <a:t>(</a:t>
+            </a:r>
+            <a:r>
+              <a:rPr lang="ru-RU" sz="1400" b="1" dirty="0" err="1">
+                <a:solidFill>
+                  <a:srgbClr val="24292F"/>
+                </a:solidFill>
+                <a:effectLst/>
+                <a:latin typeface="Times New Roman" panose="02020603050405020304" pitchFamily="18" charset="0"/>
+                <a:ea typeface="Times New Roman" panose="02020603050405020304" pitchFamily="18" charset="0"/>
+                <a:cs typeface="Times New Roman" panose="02020603050405020304" pitchFamily="18" charset="0"/>
+              </a:rPr>
+              <a:t>score</a:t>
+            </a:r>
+            <a:r>
+              <a:rPr lang="ru-RU" sz="1400" b="1" dirty="0">
+                <a:solidFill>
+                  <a:srgbClr val="24292F"/>
+                </a:solidFill>
+                <a:effectLst/>
+                <a:latin typeface="Times New Roman" panose="02020603050405020304" pitchFamily="18" charset="0"/>
+                <a:ea typeface="Times New Roman" panose="02020603050405020304" pitchFamily="18" charset="0"/>
+                <a:cs typeface="Times New Roman" panose="02020603050405020304" pitchFamily="18" charset="0"/>
+              </a:rPr>
+              <a:t>)</a:t>
+            </a:r>
+            <a:endParaRPr lang="ru-RU" sz="1400" dirty="0">
               <a:solidFill>
-                <a:srgbClr val="404040"/>
+                <a:srgbClr val="24292F"/>
               </a:solidFill>
               <a:effectLst/>
-              <a:latin typeface="Inter"/>
+              <a:latin typeface="Times New Roman" panose="02020603050405020304" pitchFamily="18" charset="0"/>
+              <a:ea typeface="Calibri" panose="020F0502020204030204" pitchFamily="34" charset="0"/>
+              <a:cs typeface="Times New Roman" panose="02020603050405020304" pitchFamily="18" charset="0"/>
             </a:endParaRPr>
           </a:p>
           <a:p>
-            <a:pPr marL="457200" marR="0" lvl="1" indent="0" algn="l" defTabSz="914400" rtl="0" eaLnBrk="0" fontAlgn="base" latinLnBrk="0" hangingPunct="0">
-              <a:lnSpc>
-                <a:spcPct val="100000"/>
-              </a:lnSpc>
+            <a:pPr marL="628650" lvl="1" indent="-171450">
               <a:spcBef>
-                <a:spcPct val="0"/>
+                <a:spcPts val="100"/>
               </a:spcBef>
               <a:spcAft>
-                <a:spcPct val="0"/>
+                <a:spcPts val="100"/>
               </a:spcAft>
-              <a:buClrTx/>
-              <a:buSzTx/>
-              <a:buFontTx/>
+              <a:buSzPts val="1000"/>
+              <a:buFont typeface="Arial" panose="020B0604020202020204" pitchFamily="34" charset="0"/>
               <a:buChar char="•"/>
-              <a:tabLst/>
+              <a:tabLst>
+                <a:tab pos="914400" algn="l"/>
+              </a:tabLst>
             </a:pPr>
             <a:r>
-              <a:rPr kumimoji="0" lang="ru-RU" altLang="ru-RU" sz="1200" b="0" i="0" u="none" strike="noStrike" cap="none" normalizeH="0" baseline="0" dirty="0">
-                <a:ln>
-                  <a:noFill/>
-                </a:ln>
-                <a:solidFill>
-                  <a:srgbClr val="404040"/>
-                </a:solidFill>
-                <a:effectLst/>
-                <a:latin typeface="Inter"/>
-              </a:rPr>
-              <a:t>Отображает экран паузы с полупрозрачным фоном.</a:t>
-            </a:r>
-          </a:p>
-          <a:p>
-            <a:pPr marL="0" marR="0" lvl="0" indent="0" algn="l" defTabSz="914400" rtl="0" eaLnBrk="0" fontAlgn="base" latinLnBrk="0" hangingPunct="0">
-              <a:lnSpc>
-                <a:spcPct val="100000"/>
-              </a:lnSpc>
+              <a:rPr lang="ru-RU" sz="1400" b="1" dirty="0">
+                <a:solidFill>
+                  <a:srgbClr val="24292F"/>
+                </a:solidFill>
+                <a:effectLst/>
+                <a:latin typeface="Times New Roman" panose="02020603050405020304" pitchFamily="18" charset="0"/>
+                <a:ea typeface="Times New Roman" panose="02020603050405020304" pitchFamily="18" charset="0"/>
+                <a:cs typeface="Times New Roman" panose="02020603050405020304" pitchFamily="18" charset="0"/>
+              </a:rPr>
+              <a:t>Обрабатывает завершение игры: добавляет результат в таблицу рекордов и сортирует её.</a:t>
+            </a:r>
+            <a:endParaRPr lang="ru-RU" sz="1400" dirty="0">
+              <a:solidFill>
+                <a:srgbClr val="24292F"/>
+              </a:solidFill>
+              <a:effectLst/>
+              <a:latin typeface="Times New Roman" panose="02020603050405020304" pitchFamily="18" charset="0"/>
+              <a:ea typeface="Calibri" panose="020F0502020204030204" pitchFamily="34" charset="0"/>
+              <a:cs typeface="Times New Roman" panose="02020603050405020304" pitchFamily="18" charset="0"/>
+            </a:endParaRPr>
+          </a:p>
+          <a:p>
+            <a:pPr marL="342900" lvl="0" indent="-342900">
               <a:spcBef>
-                <a:spcPct val="0"/>
+                <a:spcPts val="100"/>
               </a:spcBef>
               <a:spcAft>
-                <a:spcPct val="0"/>
+                <a:spcPts val="100"/>
               </a:spcAft>
-              <a:buClrTx/>
-              <a:buSzTx/>
-              <a:buFontTx/>
-              <a:buAutoNum type="arabicPeriod" startAt="7"/>
-              <a:tabLst/>
+              <a:buFont typeface="+mj-lt"/>
+              <a:buAutoNum type="arabicPeriod"/>
+              <a:tabLst>
+                <a:tab pos="457200" algn="l"/>
+              </a:tabLst>
             </a:pPr>
             <a:r>
-              <a:rPr kumimoji="0" lang="ru-RU" altLang="ru-RU" b="1" i="0" u="none" strike="noStrike" cap="none" normalizeH="0" baseline="0" dirty="0">
-                <a:ln>
-                  <a:noFill/>
-                </a:ln>
-                <a:solidFill>
-                  <a:srgbClr val="404040"/>
-                </a:solidFill>
-                <a:effectLst/>
-                <a:latin typeface="var(--ds-font-family-code)"/>
-              </a:rPr>
-              <a:t>render3DText(</a:t>
-            </a:r>
-            <a:r>
-              <a:rPr kumimoji="0" lang="ru-RU" altLang="ru-RU" b="1" i="0" u="none" strike="noStrike" cap="none" normalizeH="0" baseline="0" dirty="0" err="1">
-                <a:ln>
-                  <a:noFill/>
-                </a:ln>
-                <a:solidFill>
-                  <a:srgbClr val="404040"/>
-                </a:solidFill>
-                <a:effectLst/>
-                <a:latin typeface="var(--ds-font-family-code)"/>
-              </a:rPr>
-              <a:t>text</a:t>
-            </a:r>
-            <a:r>
-              <a:rPr kumimoji="0" lang="ru-RU" altLang="ru-RU" b="1" i="0" u="none" strike="noStrike" cap="none" normalizeH="0" baseline="0" dirty="0">
-                <a:ln>
-                  <a:noFill/>
-                </a:ln>
-                <a:solidFill>
-                  <a:srgbClr val="404040"/>
-                </a:solidFill>
-                <a:effectLst/>
-                <a:latin typeface="var(--ds-font-family-code)"/>
-              </a:rPr>
-              <a:t>, </a:t>
-            </a:r>
-            <a:r>
-              <a:rPr kumimoji="0" lang="ru-RU" altLang="ru-RU" b="1" i="0" u="none" strike="noStrike" cap="none" normalizeH="0" baseline="0" dirty="0" err="1">
-                <a:ln>
-                  <a:noFill/>
-                </a:ln>
-                <a:solidFill>
-                  <a:srgbClr val="404040"/>
-                </a:solidFill>
-                <a:effectLst/>
-                <a:latin typeface="var(--ds-font-family-code)"/>
-              </a:rPr>
-              <a:t>font</a:t>
-            </a:r>
-            <a:r>
-              <a:rPr kumimoji="0" lang="ru-RU" altLang="ru-RU" b="1" i="0" u="none" strike="noStrike" cap="none" normalizeH="0" baseline="0" dirty="0">
-                <a:ln>
-                  <a:noFill/>
-                </a:ln>
-                <a:solidFill>
-                  <a:srgbClr val="404040"/>
-                </a:solidFill>
-                <a:effectLst/>
-                <a:latin typeface="var(--ds-font-family-code)"/>
-              </a:rPr>
-              <a:t>, </a:t>
-            </a:r>
-            <a:r>
-              <a:rPr kumimoji="0" lang="ru-RU" altLang="ru-RU" b="1" i="0" u="none" strike="noStrike" cap="none" normalizeH="0" baseline="0" dirty="0" err="1">
-                <a:ln>
-                  <a:noFill/>
-                </a:ln>
-                <a:solidFill>
-                  <a:srgbClr val="404040"/>
-                </a:solidFill>
-                <a:effectLst/>
-                <a:latin typeface="var(--ds-font-family-code)"/>
-              </a:rPr>
-              <a:t>color</a:t>
-            </a:r>
-            <a:r>
-              <a:rPr kumimoji="0" lang="ru-RU" altLang="ru-RU" b="1" i="0" u="none" strike="noStrike" cap="none" normalizeH="0" baseline="0" dirty="0">
-                <a:ln>
-                  <a:noFill/>
-                </a:ln>
-                <a:solidFill>
-                  <a:srgbClr val="404040"/>
-                </a:solidFill>
-                <a:effectLst/>
-                <a:latin typeface="var(--ds-font-family-code)"/>
-              </a:rPr>
-              <a:t>, x, y)</a:t>
-            </a:r>
-            <a:endParaRPr kumimoji="0" lang="ru-RU" altLang="ru-RU" sz="1200" b="0" i="0" u="none" strike="noStrike" cap="none" normalizeH="0" baseline="0" dirty="0">
-              <a:ln>
-                <a:noFill/>
-              </a:ln>
+              <a:rPr lang="ru-RU" sz="1400" b="1" dirty="0" err="1">
+                <a:solidFill>
+                  <a:srgbClr val="24292F"/>
+                </a:solidFill>
+                <a:effectLst/>
+                <a:latin typeface="Times New Roman" panose="02020603050405020304" pitchFamily="18" charset="0"/>
+                <a:ea typeface="Times New Roman" panose="02020603050405020304" pitchFamily="18" charset="0"/>
+                <a:cs typeface="Times New Roman" panose="02020603050405020304" pitchFamily="18" charset="0"/>
+              </a:rPr>
+              <a:t>start_game</a:t>
+            </a:r>
+            <a:r>
+              <a:rPr lang="ru-RU" sz="1400" b="1" dirty="0">
+                <a:solidFill>
+                  <a:srgbClr val="24292F"/>
+                </a:solidFill>
+                <a:effectLst/>
+                <a:latin typeface="Times New Roman" panose="02020603050405020304" pitchFamily="18" charset="0"/>
+                <a:ea typeface="Times New Roman" panose="02020603050405020304" pitchFamily="18" charset="0"/>
+                <a:cs typeface="Times New Roman" panose="02020603050405020304" pitchFamily="18" charset="0"/>
+              </a:rPr>
+              <a:t>()</a:t>
+            </a:r>
+            <a:endParaRPr lang="en-US" sz="1400" dirty="0">
               <a:solidFill>
-                <a:srgbClr val="404040"/>
+                <a:srgbClr val="24292F"/>
+              </a:solidFill>
+              <a:latin typeface="Times New Roman" panose="02020603050405020304" pitchFamily="18" charset="0"/>
+              <a:ea typeface="Times New Roman" panose="02020603050405020304" pitchFamily="18" charset="0"/>
+              <a:cs typeface="Times New Roman" panose="02020603050405020304" pitchFamily="18" charset="0"/>
+            </a:endParaRPr>
+          </a:p>
+          <a:p>
+            <a:pPr marL="742950" lvl="1" indent="-285750">
+              <a:spcBef>
+                <a:spcPts val="100"/>
+              </a:spcBef>
+              <a:spcAft>
+                <a:spcPts val="100"/>
+              </a:spcAft>
+              <a:buFont typeface="Arial" panose="020B0604020202020204" pitchFamily="34" charset="0"/>
+              <a:buChar char="•"/>
+              <a:tabLst>
+                <a:tab pos="457200" algn="l"/>
+              </a:tabLst>
+            </a:pPr>
+            <a:r>
+              <a:rPr lang="ru-RU" sz="1400" b="1" dirty="0">
+                <a:solidFill>
+                  <a:srgbClr val="24292F"/>
+                </a:solidFill>
+                <a:effectLst/>
+                <a:latin typeface="Times New Roman" panose="02020603050405020304" pitchFamily="18" charset="0"/>
+                <a:ea typeface="Times New Roman" panose="02020603050405020304" pitchFamily="18" charset="0"/>
+                <a:cs typeface="Times New Roman" panose="02020603050405020304" pitchFamily="18" charset="0"/>
+              </a:rPr>
+              <a:t>Запрашивает имя игрока перед началом игры.</a:t>
+            </a:r>
+            <a:endParaRPr lang="ru-RU" sz="1400" dirty="0">
+              <a:solidFill>
+                <a:srgbClr val="24292F"/>
               </a:solidFill>
               <a:effectLst/>
-              <a:latin typeface="Inter"/>
+              <a:latin typeface="Times New Roman" panose="02020603050405020304" pitchFamily="18" charset="0"/>
+              <a:ea typeface="Calibri" panose="020F0502020204030204" pitchFamily="34" charset="0"/>
+              <a:cs typeface="Times New Roman" panose="02020603050405020304" pitchFamily="18" charset="0"/>
             </a:endParaRPr>
-          </a:p>
-          <a:p>
-            <a:pPr marL="457200" marR="0" lvl="1" indent="0" algn="l" defTabSz="914400" rtl="0" eaLnBrk="0" fontAlgn="base" latinLnBrk="0" hangingPunct="0">
-              <a:lnSpc>
-                <a:spcPct val="100000"/>
-              </a:lnSpc>
-              <a:spcBef>
-                <a:spcPct val="0"/>
-              </a:spcBef>
-              <a:spcAft>
-                <a:spcPct val="0"/>
-              </a:spcAft>
-              <a:buClrTx/>
-              <a:buSzTx/>
-              <a:buFontTx/>
-              <a:buChar char="•"/>
-              <a:tabLst/>
-            </a:pPr>
-            <a:r>
-              <a:rPr kumimoji="0" lang="ru-RU" altLang="ru-RU" sz="1200" b="0" i="0" u="none" strike="noStrike" cap="none" normalizeH="0" baseline="0" dirty="0">
-                <a:ln>
-                  <a:noFill/>
-                </a:ln>
-                <a:solidFill>
-                  <a:srgbClr val="404040"/>
-                </a:solidFill>
-                <a:effectLst/>
-                <a:latin typeface="Inter"/>
-              </a:rPr>
-              <a:t>Рендерит текст с эффектом 3D (тень), используется для отображения текста на экране.</a:t>
-            </a:r>
-          </a:p>
-          <a:p>
-            <a:pPr marL="0" marR="0" lvl="0" indent="0" algn="l" defTabSz="914400" rtl="0" eaLnBrk="0" fontAlgn="base" latinLnBrk="0" hangingPunct="0">
-              <a:lnSpc>
-                <a:spcPct val="100000"/>
-              </a:lnSpc>
-              <a:spcBef>
-                <a:spcPct val="0"/>
-              </a:spcBef>
-              <a:spcAft>
-                <a:spcPct val="0"/>
-              </a:spcAft>
-              <a:buClrTx/>
-              <a:buSzTx/>
-              <a:buFontTx/>
-              <a:buAutoNum type="arabicPeriod" startAt="8"/>
-              <a:tabLst/>
-            </a:pPr>
-            <a:r>
-              <a:rPr kumimoji="0" lang="ru-RU" altLang="ru-RU" b="1" i="0" u="none" strike="noStrike" cap="none" normalizeH="0" baseline="0" dirty="0" err="1">
-                <a:ln>
-                  <a:noFill/>
-                </a:ln>
-                <a:solidFill>
-                  <a:srgbClr val="404040"/>
-                </a:solidFill>
-                <a:effectLst/>
-                <a:latin typeface="var(--ds-font-family-code)"/>
-              </a:rPr>
-              <a:t>load_sprites</a:t>
-            </a:r>
-            <a:r>
-              <a:rPr kumimoji="0" lang="ru-RU" altLang="ru-RU" b="1" i="0" u="none" strike="noStrike" cap="none" normalizeH="0" baseline="0" dirty="0">
-                <a:ln>
-                  <a:noFill/>
-                </a:ln>
-                <a:solidFill>
-                  <a:srgbClr val="404040"/>
-                </a:solidFill>
-                <a:effectLst/>
-                <a:latin typeface="var(--ds-font-family-code)"/>
-              </a:rPr>
-              <a:t>()</a:t>
-            </a:r>
-            <a:endParaRPr kumimoji="0" lang="ru-RU" altLang="ru-RU" sz="1200" b="0" i="0" u="none" strike="noStrike" cap="none" normalizeH="0" baseline="0" dirty="0">
-              <a:ln>
-                <a:noFill/>
-              </a:ln>
-              <a:solidFill>
-                <a:srgbClr val="404040"/>
-              </a:solidFill>
-              <a:effectLst/>
-              <a:latin typeface="Inter"/>
-            </a:endParaRPr>
-          </a:p>
-          <a:p>
-            <a:pPr marL="457200" marR="0" lvl="1" indent="0" algn="l" defTabSz="914400" rtl="0" eaLnBrk="0" fontAlgn="base" latinLnBrk="0" hangingPunct="0">
-              <a:lnSpc>
-                <a:spcPct val="100000"/>
-              </a:lnSpc>
-              <a:spcBef>
-                <a:spcPct val="0"/>
-              </a:spcBef>
-              <a:spcAft>
-                <a:spcPct val="0"/>
-              </a:spcAft>
-              <a:buClrTx/>
-              <a:buSzTx/>
-              <a:buFontTx/>
-              <a:buChar char="•"/>
-              <a:tabLst/>
-            </a:pPr>
-            <a:r>
-              <a:rPr kumimoji="0" lang="ru-RU" altLang="ru-RU" sz="1200" b="0" i="0" u="none" strike="noStrike" cap="none" normalizeH="0" baseline="0" dirty="0">
-                <a:ln>
-                  <a:noFill/>
-                </a:ln>
-                <a:solidFill>
-                  <a:srgbClr val="404040"/>
-                </a:solidFill>
-                <a:effectLst/>
-                <a:latin typeface="Inter"/>
-              </a:rPr>
-              <a:t>Загружает и масштабирует изображения для блоков и фона.</a:t>
-            </a:r>
           </a:p>
           <a:p>
             <a:pPr marL="0" marR="0" lvl="0" indent="0" algn="l" defTabSz="914400" rtl="0" eaLnBrk="0" fontAlgn="base" latinLnBrk="0" hangingPunct="0">
@@ -7337,8 +7210,8 @@
         </p:nvSpPr>
         <p:spPr bwMode="auto">
           <a:xfrm>
-            <a:off x="233153" y="891791"/>
-            <a:ext cx="10344232" cy="3811292"/>
+            <a:off x="233153" y="1030291"/>
+            <a:ext cx="10344232" cy="3534293"/>
           </a:xfrm>
           <a:prstGeom prst="rect">
             <a:avLst/>
@@ -8241,33 +8114,11 @@
               </a:rPr>
               <a:t>Очищает заполненные линии на игровом поле и возвращает количество очищенных линий. Важная функция для подсчета очков.</a:t>
             </a:r>
-          </a:p>
-          <a:p>
-            <a:pPr marL="0" marR="0" lvl="0" indent="0" algn="l" defTabSz="914400" rtl="0" eaLnBrk="0" fontAlgn="base" latinLnBrk="0" hangingPunct="0">
-              <a:lnSpc>
-                <a:spcPct val="100000"/>
-              </a:lnSpc>
-              <a:spcBef>
-                <a:spcPct val="0"/>
-              </a:spcBef>
-              <a:spcAft>
-                <a:spcPct val="0"/>
-              </a:spcAft>
-              <a:buClrTx/>
-              <a:buSzTx/>
-              <a:buFontTx/>
-              <a:buNone/>
-              <a:tabLst/>
-            </a:pPr>
-            <a:endParaRPr kumimoji="0" lang="ru-RU" altLang="ru-RU" sz="1800" b="0" i="0" u="none" strike="noStrike" cap="none" normalizeH="0" baseline="0" dirty="0">
-              <a:ln>
-                <a:noFill/>
-              </a:ln>
+            <a:endParaRPr lang="en-US" altLang="ru-RU" sz="1200" dirty="0">
               <a:solidFill>
-                <a:schemeClr val="tx1"/>
+                <a:srgbClr val="404040"/>
               </a:solidFill>
-              <a:effectLst/>
-              <a:latin typeface="Arial" panose="020B0604020202020204" pitchFamily="34" charset="0"/>
+              <a:latin typeface="Inter"/>
             </a:endParaRPr>
           </a:p>
         </p:txBody>
@@ -8432,7 +8283,12 @@
             <p:ph type="title"/>
           </p:nvPr>
         </p:nvSpPr>
-        <p:spPr/>
+        <p:spPr>
+          <a:xfrm>
+            <a:off x="609600" y="274638"/>
+            <a:ext cx="9956800" cy="730378"/>
+          </a:xfrm>
+        </p:spPr>
         <p:txBody>
           <a:bodyPr/>
           <a:lstStyle/>
@@ -8464,7 +8320,12 @@
             <p:ph sz="quarter" idx="1"/>
           </p:nvPr>
         </p:nvSpPr>
-        <p:spPr/>
+        <p:spPr>
+          <a:xfrm>
+            <a:off x="609600" y="1145059"/>
+            <a:ext cx="9956800" cy="5328893"/>
+          </a:xfrm>
+        </p:spPr>
         <p:txBody>
           <a:bodyPr>
             <a:normAutofit lnSpcReduction="10000"/>
@@ -8763,6 +8624,45 @@
                 <a:cs typeface="Times New Roman" panose="02020603050405020304" pitchFamily="18" charset="0"/>
               </a:rPr>
               <a:t>Возможность мгновенного падения фигуры.</a:t>
+            </a:r>
+          </a:p>
+          <a:p>
+            <a:pPr marL="742950" lvl="1" indent="-285750" algn="l">
+              <a:spcBef>
+                <a:spcPts val="300"/>
+              </a:spcBef>
+              <a:buFont typeface="Arial" panose="020B0604020202020204" pitchFamily="34" charset="0"/>
+              <a:buChar char="•"/>
+            </a:pPr>
+            <a:r>
+              <a:rPr lang="ru-RU" dirty="0">
+                <a:solidFill>
+                  <a:srgbClr val="404040"/>
+                </a:solidFill>
+                <a:latin typeface="Times New Roman" panose="02020603050405020304" pitchFamily="18" charset="0"/>
+                <a:cs typeface="Times New Roman" panose="02020603050405020304" pitchFamily="18" charset="0"/>
+              </a:rPr>
+              <a:t>Возможность просмотра таблицы рекордов</a:t>
+            </a:r>
+          </a:p>
+          <a:p>
+            <a:pPr marL="742950" lvl="1" indent="-285750" algn="l">
+              <a:spcBef>
+                <a:spcPts val="300"/>
+              </a:spcBef>
+              <a:buFont typeface="Arial" panose="020B0604020202020204" pitchFamily="34" charset="0"/>
+              <a:buChar char="•"/>
+            </a:pPr>
+            <a:r>
+              <a:rPr lang="ru-RU" b="0" i="0" dirty="0">
+                <a:solidFill>
+                  <a:srgbClr val="404040"/>
+                </a:solidFill>
+                <a:effectLst/>
+                <a:latin typeface="Times New Roman" panose="02020603050405020304" pitchFamily="18" charset="0"/>
+                <a:cs typeface="Times New Roman" panose="02020603050405020304" pitchFamily="18" charset="0"/>
+              </a:rPr>
+              <a:t>Управление музыкой</a:t>
             </a:r>
           </a:p>
           <a:p>
@@ -9277,7 +9177,7 @@
           <p:cNvPr id="2" name="Заголовок 1">
             <a:extLst>
               <a:ext uri="{FF2B5EF4-FFF2-40B4-BE49-F238E27FC236}">
-                <a16:creationId xmlns:a16="http://schemas.microsoft.com/office/drawing/2014/main" id="{E9AD33C8-77F7-4949-B183-6628E1FCDD14}"/>
+                <a16:creationId xmlns:a16="http://schemas.microsoft.com/office/drawing/2014/main" id="{F01EA26C-6F70-9110-9E24-CB03E0947821}"/>
               </a:ext>
             </a:extLst>
           </p:cNvPr>
@@ -9289,9 +9189,9 @@
           </p:nvPr>
         </p:nvSpPr>
         <p:spPr>
-          <a:xfrm flipV="1">
-            <a:off x="838200" y="-634315"/>
-            <a:ext cx="10515600" cy="189471"/>
+          <a:xfrm>
+            <a:off x="609600" y="-337751"/>
+            <a:ext cx="9956800" cy="90616"/>
           </a:xfrm>
         </p:spPr>
         <p:txBody>
@@ -9306,10 +9206,10 @@
       </p:sp>
       <p:pic>
         <p:nvPicPr>
-          <p:cNvPr id="7" name="Объект 6">
+          <p:cNvPr id="5" name="Объект 4">
             <a:extLst>
               <a:ext uri="{FF2B5EF4-FFF2-40B4-BE49-F238E27FC236}">
-                <a16:creationId xmlns:a16="http://schemas.microsoft.com/office/drawing/2014/main" id="{44B50100-A29F-EF50-7F2F-766A0EA86E2B}"/>
+                <a16:creationId xmlns:a16="http://schemas.microsoft.com/office/drawing/2014/main" id="{D6B59179-6EB3-4D73-1231-7DC56DD481F3}"/>
               </a:ext>
             </a:extLst>
           </p:cNvPr>
@@ -9328,15 +9228,15 @@
         </p:blipFill>
         <p:spPr>
           <a:xfrm>
-            <a:off x="838200" y="0"/>
-            <a:ext cx="10515600" cy="6858000"/>
+            <a:off x="609600" y="0"/>
+            <a:ext cx="10791568" cy="6473825"/>
           </a:xfrm>
         </p:spPr>
       </p:pic>
     </p:spTree>
     <p:extLst>
       <p:ext uri="{BB962C8B-B14F-4D97-AF65-F5344CB8AC3E}">
-        <p14:creationId xmlns:p14="http://schemas.microsoft.com/office/powerpoint/2010/main" val="3209326426"/>
+        <p14:creationId xmlns:p14="http://schemas.microsoft.com/office/powerpoint/2010/main" val="3677606690"/>
       </p:ext>
     </p:extLst>
   </p:cSld>
@@ -9368,7 +9268,7 @@
           <p:cNvPr id="2" name="Заголовок 1">
             <a:extLst>
               <a:ext uri="{FF2B5EF4-FFF2-40B4-BE49-F238E27FC236}">
-                <a16:creationId xmlns:a16="http://schemas.microsoft.com/office/drawing/2014/main" id="{2FAFD33D-4EDE-2338-EBEF-40BC6513C83B}"/>
+                <a16:creationId xmlns:a16="http://schemas.microsoft.com/office/drawing/2014/main" id="{336B3A14-38B7-22B0-0F0B-5335FAFDA2D4}"/>
               </a:ext>
             </a:extLst>
           </p:cNvPr>
@@ -9381,8 +9281,8 @@
         </p:nvSpPr>
         <p:spPr>
           <a:xfrm>
-            <a:off x="838200" y="-609599"/>
-            <a:ext cx="10515600" cy="329514"/>
+            <a:off x="609600" y="-733168"/>
+            <a:ext cx="9956800" cy="494271"/>
           </a:xfrm>
         </p:spPr>
         <p:txBody>
@@ -9397,10 +9297,10 @@
       </p:sp>
       <p:pic>
         <p:nvPicPr>
-          <p:cNvPr id="7" name="Объект 6">
+          <p:cNvPr id="5" name="Объект 4">
             <a:extLst>
               <a:ext uri="{FF2B5EF4-FFF2-40B4-BE49-F238E27FC236}">
-                <a16:creationId xmlns:a16="http://schemas.microsoft.com/office/drawing/2014/main" id="{BD779A37-FF72-041F-D713-937796520BA7}"/>
+                <a16:creationId xmlns:a16="http://schemas.microsoft.com/office/drawing/2014/main" id="{EF113985-410E-74E5-8DB1-0BD5DF0E9352}"/>
               </a:ext>
             </a:extLst>
           </p:cNvPr>
@@ -9419,15 +9319,15 @@
         </p:blipFill>
         <p:spPr>
           <a:xfrm>
-            <a:off x="838201" y="0"/>
-            <a:ext cx="10515600" cy="6858000"/>
+            <a:off x="609600" y="0"/>
+            <a:ext cx="10783330" cy="6858000"/>
           </a:xfrm>
         </p:spPr>
       </p:pic>
     </p:spTree>
     <p:extLst>
       <p:ext uri="{BB962C8B-B14F-4D97-AF65-F5344CB8AC3E}">
-        <p14:creationId xmlns:p14="http://schemas.microsoft.com/office/powerpoint/2010/main" val="2046675225"/>
+        <p14:creationId xmlns:p14="http://schemas.microsoft.com/office/powerpoint/2010/main" val="476201971"/>
       </p:ext>
     </p:extLst>
   </p:cSld>
